--- a/presentation/NodeJS_02.pptx
+++ b/presentation/NodeJS_02.pptx
@@ -5,7 +5,7 @@
     <p:sldMasterId id="2147483840" r:id="rId1"/>
   </p:sldMasterIdLst>
   <p:notesMasterIdLst>
-    <p:notesMasterId r:id="rId52"/>
+    <p:notesMasterId r:id="rId54"/>
   </p:notesMasterIdLst>
   <p:sldIdLst>
     <p:sldId id="256" r:id="rId2"/>
@@ -45,19 +45,21 @@
     <p:sldId id="306" r:id="rId36"/>
     <p:sldId id="290" r:id="rId37"/>
     <p:sldId id="291" r:id="rId38"/>
-    <p:sldId id="292" r:id="rId39"/>
-    <p:sldId id="293" r:id="rId40"/>
-    <p:sldId id="294" r:id="rId41"/>
-    <p:sldId id="295" r:id="rId42"/>
-    <p:sldId id="301" r:id="rId43"/>
-    <p:sldId id="302" r:id="rId44"/>
-    <p:sldId id="303" r:id="rId45"/>
-    <p:sldId id="304" r:id="rId46"/>
-    <p:sldId id="298" r:id="rId47"/>
-    <p:sldId id="299" r:id="rId48"/>
-    <p:sldId id="300" r:id="rId49"/>
-    <p:sldId id="305" r:id="rId50"/>
-    <p:sldId id="297" r:id="rId51"/>
+    <p:sldId id="307" r:id="rId39"/>
+    <p:sldId id="292" r:id="rId40"/>
+    <p:sldId id="293" r:id="rId41"/>
+    <p:sldId id="294" r:id="rId42"/>
+    <p:sldId id="295" r:id="rId43"/>
+    <p:sldId id="301" r:id="rId44"/>
+    <p:sldId id="302" r:id="rId45"/>
+    <p:sldId id="303" r:id="rId46"/>
+    <p:sldId id="304" r:id="rId47"/>
+    <p:sldId id="298" r:id="rId48"/>
+    <p:sldId id="299" r:id="rId49"/>
+    <p:sldId id="300" r:id="rId50"/>
+    <p:sldId id="305" r:id="rId51"/>
+    <p:sldId id="308" r:id="rId52"/>
+    <p:sldId id="297" r:id="rId53"/>
   </p:sldIdLst>
   <p:sldSz cx="12192000" cy="6858000"/>
   <p:notesSz cx="6858000" cy="9144000"/>
@@ -164,10 +166,6 @@
 </p:presentation>
 </file>
 
-<file path=ppt/revisionInfo.xml><?xml version="1.0" encoding="utf-8"?>
-<p1510:revInfo xmlns:a="http://schemas.openxmlformats.org/drawingml/2006/main" xmlns:r="http://schemas.openxmlformats.org/officeDocument/2006/relationships" xmlns:p1510="http://schemas.microsoft.com/office/powerpoint/2015/10/main"/>
-</file>
-
 <file path=ppt/notesMasters/notesMaster1.xml><?xml version="1.0" encoding="utf-8"?>
 <p:notesMaster xmlns:a="http://schemas.openxmlformats.org/drawingml/2006/main" xmlns:r="http://schemas.openxmlformats.org/officeDocument/2006/relationships" xmlns:p="http://schemas.openxmlformats.org/presentationml/2006/main">
   <p:cSld>
@@ -250,7 +248,7 @@
           <a:p>
             <a:fld id="{45362D30-46AF-4D35-BF2A-B3321468C399}" type="datetimeFigureOut">
               <a:rPr lang="en-US" smtClean="0"/>
-              <a:t>7/17/2018</a:t>
+              <a:t>10/5/2018</a:t>
             </a:fld>
             <a:endParaRPr lang="en-US"/>
           </a:p>
@@ -920,7 +918,7 @@
           <a:p>
             <a:fld id="{83284890-85D2-4D7B-8EF5-15A9C1DB8F42}" type="datetimeFigureOut">
               <a:rPr lang="en-US" smtClean="0"/>
-              <a:t>7/17/2018</a:t>
+              <a:t>10/5/2018</a:t>
             </a:fld>
             <a:endParaRPr lang="en-US" dirty="0"/>
           </a:p>
@@ -1095,7 +1093,7 @@
           <a:p>
             <a:fld id="{87157CC2-0FC8-4686-B024-99790E0F5162}" type="datetimeFigureOut">
               <a:rPr lang="en-US" smtClean="0"/>
-              <a:t>7/17/2018</a:t>
+              <a:t>10/5/2018</a:t>
             </a:fld>
             <a:endParaRPr lang="en-US" dirty="0"/>
           </a:p>
@@ -1270,7 +1268,7 @@
           <a:p>
             <a:fld id="{F6764DA5-CD3D-4590-A511-FCD3BC7A793E}" type="datetimeFigureOut">
               <a:rPr lang="en-US" smtClean="0"/>
-              <a:t>7/17/2018</a:t>
+              <a:t>10/5/2018</a:t>
             </a:fld>
             <a:endParaRPr lang="en-US" dirty="0"/>
           </a:p>
@@ -1435,7 +1433,7 @@
           <a:p>
             <a:fld id="{82F5661D-6934-4B32-B92C-470368BF1EC6}" type="datetimeFigureOut">
               <a:rPr lang="en-US" smtClean="0"/>
-              <a:t>7/17/2018</a:t>
+              <a:t>10/5/2018</a:t>
             </a:fld>
             <a:endParaRPr lang="en-US" dirty="0"/>
           </a:p>
@@ -1743,7 +1741,7 @@
           <a:p>
             <a:fld id="{C6F822A4-8DA6-4447-9B1F-C5DB58435268}" type="datetimeFigureOut">
               <a:rPr lang="en-US" smtClean="0"/>
-              <a:t>7/17/2018</a:t>
+              <a:t>10/5/2018</a:t>
             </a:fld>
             <a:endParaRPr lang="en-US" dirty="0"/>
           </a:p>
@@ -2125,7 +2123,7 @@
           <a:p>
             <a:fld id="{E548D31E-DCDA-41A7-9C67-C4B11B94D21D}" type="datetimeFigureOut">
               <a:rPr lang="en-US" smtClean="0"/>
-              <a:t>7/17/2018</a:t>
+              <a:t>10/5/2018</a:t>
             </a:fld>
             <a:endParaRPr lang="en-US" dirty="0"/>
           </a:p>
@@ -2554,7 +2552,7 @@
           <a:p>
             <a:fld id="{9B3762C0-B258-48F1-ADE6-176B4174CCDD}" type="datetimeFigureOut">
               <a:rPr lang="en-US" smtClean="0"/>
-              <a:t>7/17/2018</a:t>
+              <a:t>10/5/2018</a:t>
             </a:fld>
             <a:endParaRPr lang="en-US" dirty="0"/>
           </a:p>
@@ -2667,7 +2665,7 @@
           <a:p>
             <a:fld id="{677919A6-33EB-49BD-A62F-1FA56B9F9712}" type="datetimeFigureOut">
               <a:rPr lang="en-US" smtClean="0"/>
-              <a:t>7/17/2018</a:t>
+              <a:t>10/5/2018</a:t>
             </a:fld>
             <a:endParaRPr lang="en-US" dirty="0"/>
           </a:p>
@@ -2757,7 +2755,7 @@
           <a:p>
             <a:fld id="{CA4E7D1B-D673-4CF6-8672-009D42ABD2A0}" type="datetimeFigureOut">
               <a:rPr lang="en-US" smtClean="0"/>
-              <a:t>7/17/2018</a:t>
+              <a:t>10/5/2018</a:t>
             </a:fld>
             <a:endParaRPr lang="en-US" dirty="0"/>
           </a:p>
@@ -3102,7 +3100,7 @@
           <a:p>
             <a:fld id="{DA16AA21-1863-4931-97CB-99D0A168701B}" type="datetimeFigureOut">
               <a:rPr lang="en-US" smtClean="0"/>
-              <a:t>7/17/2018</a:t>
+              <a:t>10/5/2018</a:t>
             </a:fld>
             <a:endParaRPr lang="en-US" dirty="0"/>
           </a:p>
@@ -3522,7 +3520,7 @@
           <a:p>
             <a:fld id="{3772C379-9A7C-4C87-A116-CBE9F58B04C5}" type="datetimeFigureOut">
               <a:rPr lang="en-US" smtClean="0"/>
-              <a:t>7/17/2018</a:t>
+              <a:t>10/5/2018</a:t>
             </a:fld>
             <a:endParaRPr lang="en-US" dirty="0"/>
           </a:p>
@@ -3798,7 +3796,7 @@
           <a:p>
             <a:fld id="{8664C608-40B1-4030-A28D-5B74BC98ADCE}" type="datetimeFigureOut">
               <a:rPr lang="en-US" smtClean="0"/>
-              <a:t>7/17/2018</a:t>
+              <a:t>10/5/2018</a:t>
             </a:fld>
             <a:endParaRPr lang="en-US" dirty="0"/>
           </a:p>
@@ -4424,36 +4422,6 @@
           </a:p>
         </p:txBody>
       </p:sp>
-      <p:pic>
-        <p:nvPicPr>
-          <p:cNvPr id="4" name="Picture 3"/>
-          <p:cNvPicPr>
-            <a:picLocks noChangeAspect="1"/>
-          </p:cNvPicPr>
-          <p:nvPr/>
-        </p:nvPicPr>
-        <p:blipFill>
-          <a:blip r:embed="rId2">
-            <a:extLst>
-              <a:ext uri="{28A0092B-C50C-407E-A947-70E740481C1C}">
-                <a14:useLocalDpi xmlns:a14="http://schemas.microsoft.com/office/drawing/2010/main" val="0"/>
-              </a:ext>
-            </a:extLst>
-          </a:blip>
-          <a:stretch>
-            <a:fillRect/>
-          </a:stretch>
-        </p:blipFill>
-        <p:spPr>
-          <a:xfrm>
-            <a:off x="909446" y="5721919"/>
-            <a:ext cx="1398326" cy="867661"/>
-          </a:xfrm>
-          <a:prstGeom prst="rect">
-            <a:avLst/>
-          </a:prstGeom>
-        </p:spPr>
-      </p:pic>
     </p:spTree>
     <p:extLst>
       <p:ext uri="{BB962C8B-B14F-4D97-AF65-F5344CB8AC3E}">
@@ -4757,36 +4725,6 @@
           </a:p>
         </p:txBody>
       </p:sp>
-      <p:pic>
-        <p:nvPicPr>
-          <p:cNvPr id="9" name="Picture 8"/>
-          <p:cNvPicPr>
-            <a:picLocks noChangeAspect="1"/>
-          </p:cNvPicPr>
-          <p:nvPr/>
-        </p:nvPicPr>
-        <p:blipFill>
-          <a:blip r:embed="rId2">
-            <a:extLst>
-              <a:ext uri="{28A0092B-C50C-407E-A947-70E740481C1C}">
-                <a14:useLocalDpi xmlns:a14="http://schemas.microsoft.com/office/drawing/2010/main" val="0"/>
-              </a:ext>
-            </a:extLst>
-          </a:blip>
-          <a:stretch>
-            <a:fillRect/>
-          </a:stretch>
-        </p:blipFill>
-        <p:spPr>
-          <a:xfrm>
-            <a:off x="909446" y="5721919"/>
-            <a:ext cx="1398326" cy="867661"/>
-          </a:xfrm>
-          <a:prstGeom prst="rect">
-            <a:avLst/>
-          </a:prstGeom>
-        </p:spPr>
-      </p:pic>
     </p:spTree>
     <p:extLst>
       <p:ext uri="{BB962C8B-B14F-4D97-AF65-F5344CB8AC3E}">
@@ -5198,36 +5136,6 @@
           </a:p>
         </p:txBody>
       </p:sp>
-      <p:pic>
-        <p:nvPicPr>
-          <p:cNvPr id="14" name="Picture 13"/>
-          <p:cNvPicPr>
-            <a:picLocks noChangeAspect="1"/>
-          </p:cNvPicPr>
-          <p:nvPr/>
-        </p:nvPicPr>
-        <p:blipFill>
-          <a:blip r:embed="rId2">
-            <a:extLst>
-              <a:ext uri="{28A0092B-C50C-407E-A947-70E740481C1C}">
-                <a14:useLocalDpi xmlns:a14="http://schemas.microsoft.com/office/drawing/2010/main" val="0"/>
-              </a:ext>
-            </a:extLst>
-          </a:blip>
-          <a:stretch>
-            <a:fillRect/>
-          </a:stretch>
-        </p:blipFill>
-        <p:spPr>
-          <a:xfrm>
-            <a:off x="909446" y="5721919"/>
-            <a:ext cx="1398326" cy="867661"/>
-          </a:xfrm>
-          <a:prstGeom prst="rect">
-            <a:avLst/>
-          </a:prstGeom>
-        </p:spPr>
-      </p:pic>
     </p:spTree>
     <p:extLst>
       <p:ext uri="{BB962C8B-B14F-4D97-AF65-F5344CB8AC3E}">
@@ -5332,36 +5240,6 @@
           </a:p>
         </p:txBody>
       </p:sp>
-      <p:pic>
-        <p:nvPicPr>
-          <p:cNvPr id="5" name="Picture 4"/>
-          <p:cNvPicPr>
-            <a:picLocks noChangeAspect="1"/>
-          </p:cNvPicPr>
-          <p:nvPr/>
-        </p:nvPicPr>
-        <p:blipFill>
-          <a:blip r:embed="rId2">
-            <a:extLst>
-              <a:ext uri="{28A0092B-C50C-407E-A947-70E740481C1C}">
-                <a14:useLocalDpi xmlns:a14="http://schemas.microsoft.com/office/drawing/2010/main" val="0"/>
-              </a:ext>
-            </a:extLst>
-          </a:blip>
-          <a:stretch>
-            <a:fillRect/>
-          </a:stretch>
-        </p:blipFill>
-        <p:spPr>
-          <a:xfrm>
-            <a:off x="909446" y="5721919"/>
-            <a:ext cx="1398326" cy="867661"/>
-          </a:xfrm>
-          <a:prstGeom prst="rect">
-            <a:avLst/>
-          </a:prstGeom>
-        </p:spPr>
-      </p:pic>
     </p:spTree>
     <p:extLst>
       <p:ext uri="{BB962C8B-B14F-4D97-AF65-F5344CB8AC3E}">
@@ -5467,36 +5345,6 @@
           </a:p>
         </p:txBody>
       </p:sp>
-      <p:pic>
-        <p:nvPicPr>
-          <p:cNvPr id="5" name="Picture 4"/>
-          <p:cNvPicPr>
-            <a:picLocks noChangeAspect="1"/>
-          </p:cNvPicPr>
-          <p:nvPr/>
-        </p:nvPicPr>
-        <p:blipFill>
-          <a:blip r:embed="rId2">
-            <a:extLst>
-              <a:ext uri="{28A0092B-C50C-407E-A947-70E740481C1C}">
-                <a14:useLocalDpi xmlns:a14="http://schemas.microsoft.com/office/drawing/2010/main" val="0"/>
-              </a:ext>
-            </a:extLst>
-          </a:blip>
-          <a:stretch>
-            <a:fillRect/>
-          </a:stretch>
-        </p:blipFill>
-        <p:spPr>
-          <a:xfrm>
-            <a:off x="909446" y="5721919"/>
-            <a:ext cx="1398326" cy="867661"/>
-          </a:xfrm>
-          <a:prstGeom prst="rect">
-            <a:avLst/>
-          </a:prstGeom>
-        </p:spPr>
-      </p:pic>
     </p:spTree>
     <p:extLst>
       <p:ext uri="{BB962C8B-B14F-4D97-AF65-F5344CB8AC3E}">
@@ -5597,36 +5445,6 @@
           </a:p>
         </p:txBody>
       </p:sp>
-      <p:pic>
-        <p:nvPicPr>
-          <p:cNvPr id="5" name="Picture 4"/>
-          <p:cNvPicPr>
-            <a:picLocks noChangeAspect="1"/>
-          </p:cNvPicPr>
-          <p:nvPr/>
-        </p:nvPicPr>
-        <p:blipFill>
-          <a:blip r:embed="rId2">
-            <a:extLst>
-              <a:ext uri="{28A0092B-C50C-407E-A947-70E740481C1C}">
-                <a14:useLocalDpi xmlns:a14="http://schemas.microsoft.com/office/drawing/2010/main" val="0"/>
-              </a:ext>
-            </a:extLst>
-          </a:blip>
-          <a:stretch>
-            <a:fillRect/>
-          </a:stretch>
-        </p:blipFill>
-        <p:spPr>
-          <a:xfrm>
-            <a:off x="909446" y="5721919"/>
-            <a:ext cx="1398326" cy="867661"/>
-          </a:xfrm>
-          <a:prstGeom prst="rect">
-            <a:avLst/>
-          </a:prstGeom>
-        </p:spPr>
-      </p:pic>
     </p:spTree>
     <p:extLst>
       <p:ext uri="{BB962C8B-B14F-4D97-AF65-F5344CB8AC3E}">
@@ -5729,36 +5547,6 @@
           </a:p>
         </p:txBody>
       </p:sp>
-      <p:pic>
-        <p:nvPicPr>
-          <p:cNvPr id="5" name="Picture 4"/>
-          <p:cNvPicPr>
-            <a:picLocks noChangeAspect="1"/>
-          </p:cNvPicPr>
-          <p:nvPr/>
-        </p:nvPicPr>
-        <p:blipFill>
-          <a:blip r:embed="rId2">
-            <a:extLst>
-              <a:ext uri="{28A0092B-C50C-407E-A947-70E740481C1C}">
-                <a14:useLocalDpi xmlns:a14="http://schemas.microsoft.com/office/drawing/2010/main" val="0"/>
-              </a:ext>
-            </a:extLst>
-          </a:blip>
-          <a:stretch>
-            <a:fillRect/>
-          </a:stretch>
-        </p:blipFill>
-        <p:spPr>
-          <a:xfrm>
-            <a:off x="909446" y="5721919"/>
-            <a:ext cx="1398326" cy="867661"/>
-          </a:xfrm>
-          <a:prstGeom prst="rect">
-            <a:avLst/>
-          </a:prstGeom>
-        </p:spPr>
-      </p:pic>
     </p:spTree>
     <p:extLst>
       <p:ext uri="{BB962C8B-B14F-4D97-AF65-F5344CB8AC3E}">
@@ -5882,36 +5670,6 @@
           </a:p>
         </p:txBody>
       </p:sp>
-      <p:pic>
-        <p:nvPicPr>
-          <p:cNvPr id="5" name="Picture 4"/>
-          <p:cNvPicPr>
-            <a:picLocks noChangeAspect="1"/>
-          </p:cNvPicPr>
-          <p:nvPr/>
-        </p:nvPicPr>
-        <p:blipFill>
-          <a:blip r:embed="rId2">
-            <a:extLst>
-              <a:ext uri="{28A0092B-C50C-407E-A947-70E740481C1C}">
-                <a14:useLocalDpi xmlns:a14="http://schemas.microsoft.com/office/drawing/2010/main" val="0"/>
-              </a:ext>
-            </a:extLst>
-          </a:blip>
-          <a:stretch>
-            <a:fillRect/>
-          </a:stretch>
-        </p:blipFill>
-        <p:spPr>
-          <a:xfrm>
-            <a:off x="909446" y="5721919"/>
-            <a:ext cx="1398326" cy="867661"/>
-          </a:xfrm>
-          <a:prstGeom prst="rect">
-            <a:avLst/>
-          </a:prstGeom>
-        </p:spPr>
-      </p:pic>
     </p:spTree>
     <p:extLst>
       <p:ext uri="{BB962C8B-B14F-4D97-AF65-F5344CB8AC3E}">
@@ -6004,36 +5762,6 @@
           </a:p>
         </p:txBody>
       </p:sp>
-      <p:pic>
-        <p:nvPicPr>
-          <p:cNvPr id="5" name="Picture 4"/>
-          <p:cNvPicPr>
-            <a:picLocks noChangeAspect="1"/>
-          </p:cNvPicPr>
-          <p:nvPr/>
-        </p:nvPicPr>
-        <p:blipFill>
-          <a:blip r:embed="rId2">
-            <a:extLst>
-              <a:ext uri="{28A0092B-C50C-407E-A947-70E740481C1C}">
-                <a14:useLocalDpi xmlns:a14="http://schemas.microsoft.com/office/drawing/2010/main" val="0"/>
-              </a:ext>
-            </a:extLst>
-          </a:blip>
-          <a:stretch>
-            <a:fillRect/>
-          </a:stretch>
-        </p:blipFill>
-        <p:spPr>
-          <a:xfrm>
-            <a:off x="909446" y="5721919"/>
-            <a:ext cx="1398326" cy="867661"/>
-          </a:xfrm>
-          <a:prstGeom prst="rect">
-            <a:avLst/>
-          </a:prstGeom>
-        </p:spPr>
-      </p:pic>
     </p:spTree>
     <p:extLst>
       <p:ext uri="{BB962C8B-B14F-4D97-AF65-F5344CB8AC3E}">
@@ -6114,36 +5842,6 @@
           </a:p>
         </p:txBody>
       </p:sp>
-      <p:pic>
-        <p:nvPicPr>
-          <p:cNvPr id="5" name="Picture 4"/>
-          <p:cNvPicPr>
-            <a:picLocks noChangeAspect="1"/>
-          </p:cNvPicPr>
-          <p:nvPr/>
-        </p:nvPicPr>
-        <p:blipFill>
-          <a:blip r:embed="rId2">
-            <a:extLst>
-              <a:ext uri="{28A0092B-C50C-407E-A947-70E740481C1C}">
-                <a14:useLocalDpi xmlns:a14="http://schemas.microsoft.com/office/drawing/2010/main" val="0"/>
-              </a:ext>
-            </a:extLst>
-          </a:blip>
-          <a:stretch>
-            <a:fillRect/>
-          </a:stretch>
-        </p:blipFill>
-        <p:spPr>
-          <a:xfrm>
-            <a:off x="909446" y="5721919"/>
-            <a:ext cx="1398326" cy="867661"/>
-          </a:xfrm>
-          <a:prstGeom prst="rect">
-            <a:avLst/>
-          </a:prstGeom>
-        </p:spPr>
-      </p:pic>
     </p:spTree>
     <p:extLst>
       <p:ext uri="{BB962C8B-B14F-4D97-AF65-F5344CB8AC3E}">
@@ -6230,36 +5928,6 @@
           </a:p>
         </p:txBody>
       </p:sp>
-      <p:pic>
-        <p:nvPicPr>
-          <p:cNvPr id="5" name="Picture 4"/>
-          <p:cNvPicPr>
-            <a:picLocks noChangeAspect="1"/>
-          </p:cNvPicPr>
-          <p:nvPr/>
-        </p:nvPicPr>
-        <p:blipFill>
-          <a:blip r:embed="rId2">
-            <a:extLst>
-              <a:ext uri="{28A0092B-C50C-407E-A947-70E740481C1C}">
-                <a14:useLocalDpi xmlns:a14="http://schemas.microsoft.com/office/drawing/2010/main" val="0"/>
-              </a:ext>
-            </a:extLst>
-          </a:blip>
-          <a:stretch>
-            <a:fillRect/>
-          </a:stretch>
-        </p:blipFill>
-        <p:spPr>
-          <a:xfrm>
-            <a:off x="909446" y="5721919"/>
-            <a:ext cx="1398326" cy="867661"/>
-          </a:xfrm>
-          <a:prstGeom prst="rect">
-            <a:avLst/>
-          </a:prstGeom>
-        </p:spPr>
-      </p:pic>
     </p:spTree>
     <p:extLst>
       <p:ext uri="{BB962C8B-B14F-4D97-AF65-F5344CB8AC3E}">
@@ -6368,36 +6036,6 @@
           </a:p>
         </p:txBody>
       </p:sp>
-      <p:pic>
-        <p:nvPicPr>
-          <p:cNvPr id="6" name="Picture 5"/>
-          <p:cNvPicPr>
-            <a:picLocks noChangeAspect="1"/>
-          </p:cNvPicPr>
-          <p:nvPr/>
-        </p:nvPicPr>
-        <p:blipFill>
-          <a:blip r:embed="rId2">
-            <a:extLst>
-              <a:ext uri="{28A0092B-C50C-407E-A947-70E740481C1C}">
-                <a14:useLocalDpi xmlns:a14="http://schemas.microsoft.com/office/drawing/2010/main" val="0"/>
-              </a:ext>
-            </a:extLst>
-          </a:blip>
-          <a:stretch>
-            <a:fillRect/>
-          </a:stretch>
-        </p:blipFill>
-        <p:spPr>
-          <a:xfrm>
-            <a:off x="909446" y="5721919"/>
-            <a:ext cx="1398326" cy="867661"/>
-          </a:xfrm>
-          <a:prstGeom prst="rect">
-            <a:avLst/>
-          </a:prstGeom>
-        </p:spPr>
-      </p:pic>
     </p:spTree>
     <p:extLst>
       <p:ext uri="{BB962C8B-B14F-4D97-AF65-F5344CB8AC3E}">
@@ -6484,36 +6122,6 @@
           </a:p>
         </p:txBody>
       </p:sp>
-      <p:pic>
-        <p:nvPicPr>
-          <p:cNvPr id="4" name="Picture 3"/>
-          <p:cNvPicPr>
-            <a:picLocks noChangeAspect="1"/>
-          </p:cNvPicPr>
-          <p:nvPr/>
-        </p:nvPicPr>
-        <p:blipFill>
-          <a:blip r:embed="rId2">
-            <a:extLst>
-              <a:ext uri="{28A0092B-C50C-407E-A947-70E740481C1C}">
-                <a14:useLocalDpi xmlns:a14="http://schemas.microsoft.com/office/drawing/2010/main" val="0"/>
-              </a:ext>
-            </a:extLst>
-          </a:blip>
-          <a:stretch>
-            <a:fillRect/>
-          </a:stretch>
-        </p:blipFill>
-        <p:spPr>
-          <a:xfrm>
-            <a:off x="909446" y="5721919"/>
-            <a:ext cx="1398326" cy="867661"/>
-          </a:xfrm>
-          <a:prstGeom prst="rect">
-            <a:avLst/>
-          </a:prstGeom>
-        </p:spPr>
-      </p:pic>
     </p:spTree>
     <p:extLst>
       <p:ext uri="{BB962C8B-B14F-4D97-AF65-F5344CB8AC3E}">
@@ -9235,7 +8843,7 @@
           <p:cNvPr id="2" name="Title 1">
             <a:extLst>
               <a:ext uri="{FF2B5EF4-FFF2-40B4-BE49-F238E27FC236}">
-                <a16:creationId xmlns:a16="http://schemas.microsoft.com/office/drawing/2014/main" id="{320CB40C-9D17-4123-90F9-5A3D3428D43A}"/>
+                <a16:creationId xmlns:a16="http://schemas.microsoft.com/office/drawing/2014/main" id="{3E2BFC55-87BF-4528-A14E-30A1072E1097}"/>
               </a:ext>
             </a:extLst>
           </p:cNvPr>
@@ -9252,8 +8860,12 @@
           <a:lstStyle/>
           <a:p>
             <a:r>
-              <a:rPr lang="en-US" dirty="0"/>
-              <a:t>Files and fs</a:t>
+              <a:rPr lang="en-US" dirty="0" err="1"/>
+              <a:t>Javascript</a:t>
+            </a:r>
+            <a:r>
+              <a:rPr lang="en-US" dirty="0"/>
+              <a:t> callback</a:t>
             </a:r>
           </a:p>
         </p:txBody>
@@ -9263,7 +8875,7 @@
           <p:cNvPr id="3" name="Content Placeholder 2">
             <a:extLst>
               <a:ext uri="{FF2B5EF4-FFF2-40B4-BE49-F238E27FC236}">
-                <a16:creationId xmlns:a16="http://schemas.microsoft.com/office/drawing/2014/main" id="{A76AA290-D78D-4F6E-8CDC-CC6561BEF7A0}"/>
+                <a16:creationId xmlns:a16="http://schemas.microsoft.com/office/drawing/2014/main" id="{C441D109-F74F-47B2-A80F-2F561DF850BB}"/>
               </a:ext>
             </a:extLst>
           </p:cNvPr>
@@ -9280,50 +8892,17 @@
           <a:lstStyle/>
           <a:p>
             <a:r>
-              <a:rPr lang="en-US" dirty="0"/>
-              <a:t>Read file synchronously</a:t>
-            </a:r>
-          </a:p>
-          <a:p>
-            <a:pPr lvl="1"/>
-            <a:r>
-              <a:rPr lang="en-US" dirty="0"/>
-              <a:t>Disadvantages</a:t>
-            </a:r>
-          </a:p>
-          <a:p>
-            <a:r>
-              <a:rPr lang="en-US" dirty="0"/>
-              <a:t>Read file asynchronously</a:t>
-            </a:r>
-          </a:p>
-          <a:p>
-            <a:pPr lvl="1"/>
-            <a:r>
-              <a:rPr lang="en-US" dirty="0"/>
-              <a:t>Error first pattern</a:t>
-            </a:r>
-          </a:p>
-          <a:p>
-            <a:pPr lvl="1"/>
-            <a:r>
-              <a:rPr lang="en-US" dirty="0"/>
-              <a:t>Issue with buffer size</a:t>
-            </a:r>
-          </a:p>
-          <a:p>
-            <a:pPr lvl="1"/>
-            <a:r>
-              <a:rPr lang="en-US" dirty="0"/>
-              <a:t>Addressing the issue with stream. Let’s look at stream.js and check how it uses event emitter</a:t>
-            </a:r>
+              <a:rPr lang="en-US"/>
+              <a:t>Let’s look at the code</a:t>
+            </a:r>
+            <a:endParaRPr lang="en-US" dirty="0"/>
           </a:p>
         </p:txBody>
       </p:sp>
     </p:spTree>
     <p:extLst>
       <p:ext uri="{BB962C8B-B14F-4D97-AF65-F5344CB8AC3E}">
-        <p14:creationId xmlns:p14="http://schemas.microsoft.com/office/powerpoint/2010/main" val="230817781"/>
+        <p14:creationId xmlns:p14="http://schemas.microsoft.com/office/powerpoint/2010/main" val="2068795473"/>
       </p:ext>
     </p:extLst>
   </p:cSld>
@@ -9355,7 +8934,7 @@
           <p:cNvPr id="2" name="Title 1">
             <a:extLst>
               <a:ext uri="{FF2B5EF4-FFF2-40B4-BE49-F238E27FC236}">
-                <a16:creationId xmlns:a16="http://schemas.microsoft.com/office/drawing/2014/main" id="{8DCAD057-4C64-4733-9A8F-75BC02AAADA1}"/>
+                <a16:creationId xmlns:a16="http://schemas.microsoft.com/office/drawing/2014/main" id="{320CB40C-9D17-4123-90F9-5A3D3428D43A}"/>
               </a:ext>
             </a:extLst>
           </p:cNvPr>
@@ -9373,7 +8952,7 @@
           <a:p>
             <a:r>
               <a:rPr lang="en-US" dirty="0"/>
-              <a:t>Streams</a:t>
+              <a:t>Files and fs</a:t>
             </a:r>
           </a:p>
         </p:txBody>
@@ -9383,7 +8962,7 @@
           <p:cNvPr id="3" name="Content Placeholder 2">
             <a:extLst>
               <a:ext uri="{FF2B5EF4-FFF2-40B4-BE49-F238E27FC236}">
-                <a16:creationId xmlns:a16="http://schemas.microsoft.com/office/drawing/2014/main" id="{325820CC-E9EF-4982-8B1F-E001D61DDAE4}"/>
+                <a16:creationId xmlns:a16="http://schemas.microsoft.com/office/drawing/2014/main" id="{A76AA290-D78D-4F6E-8CDC-CC6561BEF7A0}"/>
               </a:ext>
             </a:extLst>
           </p:cNvPr>
@@ -9394,56 +8973,48 @@
             <p:ph idx="1"/>
           </p:nvPr>
         </p:nvSpPr>
-        <p:spPr>
-          <a:xfrm>
-            <a:off x="1069848" y="2121408"/>
-            <a:ext cx="10058400" cy="3812667"/>
-          </a:xfrm>
-        </p:spPr>
+        <p:spPr/>
         <p:txBody>
           <a:bodyPr/>
           <a:lstStyle/>
           <a:p>
             <a:r>
               <a:rPr lang="en-US" dirty="0"/>
-              <a:t>Check stream.js</a:t>
+              <a:t>Read file synchronously</a:t>
             </a:r>
           </a:p>
           <a:p>
             <a:pPr lvl="1"/>
             <a:r>
               <a:rPr lang="en-US" dirty="0"/>
-              <a:t>It uses event emitter</a:t>
-            </a:r>
-          </a:p>
-          <a:p>
-            <a:r>
-              <a:rPr lang="en-US" dirty="0"/>
-              <a:t>Streams are abstract class</a:t>
-            </a:r>
-          </a:p>
-          <a:p>
-            <a:r>
-              <a:rPr lang="en-US" dirty="0"/>
-              <a:t>If stream is writable, node can send data to the stream</a:t>
-            </a:r>
-          </a:p>
-          <a:p>
-            <a:r>
-              <a:rPr lang="en-US" dirty="0"/>
-              <a:t>If stream is readable, node can get data from the stream</a:t>
-            </a:r>
-          </a:p>
-          <a:p>
-            <a:r>
-              <a:rPr lang="en-US" dirty="0"/>
-              <a:t>Getting data in chunks</a:t>
-            </a:r>
-          </a:p>
-          <a:p>
-            <a:r>
-              <a:rPr lang="en-US" dirty="0"/>
-              <a:t>Writing data in the same stream</a:t>
+              <a:t>Disadvantages</a:t>
+            </a:r>
+          </a:p>
+          <a:p>
+            <a:r>
+              <a:rPr lang="en-US" dirty="0"/>
+              <a:t>Read file asynchronously</a:t>
+            </a:r>
+          </a:p>
+          <a:p>
+            <a:pPr lvl="1"/>
+            <a:r>
+              <a:rPr lang="en-US" dirty="0"/>
+              <a:t>Error first pattern</a:t>
+            </a:r>
+          </a:p>
+          <a:p>
+            <a:pPr lvl="1"/>
+            <a:r>
+              <a:rPr lang="en-US" dirty="0"/>
+              <a:t>Issue with buffer size</a:t>
+            </a:r>
+          </a:p>
+          <a:p>
+            <a:pPr lvl="1"/>
+            <a:r>
+              <a:rPr lang="en-US" dirty="0"/>
+              <a:t>Addressing the issue with stream. Let’s look at stream.js and check how it uses event emitter</a:t>
             </a:r>
           </a:p>
         </p:txBody>
@@ -9451,7 +9022,7 @@
     </p:spTree>
     <p:extLst>
       <p:ext uri="{BB962C8B-B14F-4D97-AF65-F5344CB8AC3E}">
-        <p14:creationId xmlns:p14="http://schemas.microsoft.com/office/powerpoint/2010/main" val="3979639816"/>
+        <p14:creationId xmlns:p14="http://schemas.microsoft.com/office/powerpoint/2010/main" val="230817781"/>
       </p:ext>
     </p:extLst>
   </p:cSld>
@@ -9542,36 +9113,6 @@
           </a:p>
         </p:txBody>
       </p:sp>
-      <p:pic>
-        <p:nvPicPr>
-          <p:cNvPr id="5" name="Picture 4"/>
-          <p:cNvPicPr>
-            <a:picLocks noChangeAspect="1"/>
-          </p:cNvPicPr>
-          <p:nvPr/>
-        </p:nvPicPr>
-        <p:blipFill>
-          <a:blip r:embed="rId2">
-            <a:extLst>
-              <a:ext uri="{28A0092B-C50C-407E-A947-70E740481C1C}">
-                <a14:useLocalDpi xmlns:a14="http://schemas.microsoft.com/office/drawing/2010/main" val="0"/>
-              </a:ext>
-            </a:extLst>
-          </a:blip>
-          <a:stretch>
-            <a:fillRect/>
-          </a:stretch>
-        </p:blipFill>
-        <p:spPr>
-          <a:xfrm>
-            <a:off x="909446" y="5721919"/>
-            <a:ext cx="1398326" cy="867661"/>
-          </a:xfrm>
-          <a:prstGeom prst="rect">
-            <a:avLst/>
-          </a:prstGeom>
-        </p:spPr>
-      </p:pic>
     </p:spTree>
     <p:extLst>
       <p:ext uri="{BB962C8B-B14F-4D97-AF65-F5344CB8AC3E}">
@@ -9586,6 +9127,134 @@
 </file>
 
 <file path=ppt/slides/slide40.xml><?xml version="1.0" encoding="utf-8"?>
+<p:sld xmlns:a="http://schemas.openxmlformats.org/drawingml/2006/main" xmlns:r="http://schemas.openxmlformats.org/officeDocument/2006/relationships" xmlns:p="http://schemas.openxmlformats.org/presentationml/2006/main">
+  <p:cSld>
+    <p:spTree>
+      <p:nvGrpSpPr>
+        <p:cNvPr id="1" name=""/>
+        <p:cNvGrpSpPr/>
+        <p:nvPr/>
+      </p:nvGrpSpPr>
+      <p:grpSpPr>
+        <a:xfrm>
+          <a:off x="0" y="0"/>
+          <a:ext cx="0" cy="0"/>
+          <a:chOff x="0" y="0"/>
+          <a:chExt cx="0" cy="0"/>
+        </a:xfrm>
+      </p:grpSpPr>
+      <p:sp>
+        <p:nvSpPr>
+          <p:cNvPr id="2" name="Title 1">
+            <a:extLst>
+              <a:ext uri="{FF2B5EF4-FFF2-40B4-BE49-F238E27FC236}">
+                <a16:creationId xmlns:a16="http://schemas.microsoft.com/office/drawing/2014/main" id="{8DCAD057-4C64-4733-9A8F-75BC02AAADA1}"/>
+              </a:ext>
+            </a:extLst>
+          </p:cNvPr>
+          <p:cNvSpPr>
+            <a:spLocks noGrp="1"/>
+          </p:cNvSpPr>
+          <p:nvPr>
+            <p:ph type="title"/>
+          </p:nvPr>
+        </p:nvSpPr>
+        <p:spPr/>
+        <p:txBody>
+          <a:bodyPr/>
+          <a:lstStyle/>
+          <a:p>
+            <a:r>
+              <a:rPr lang="en-US" dirty="0"/>
+              <a:t>Streams</a:t>
+            </a:r>
+          </a:p>
+        </p:txBody>
+      </p:sp>
+      <p:sp>
+        <p:nvSpPr>
+          <p:cNvPr id="3" name="Content Placeholder 2">
+            <a:extLst>
+              <a:ext uri="{FF2B5EF4-FFF2-40B4-BE49-F238E27FC236}">
+                <a16:creationId xmlns:a16="http://schemas.microsoft.com/office/drawing/2014/main" id="{325820CC-E9EF-4982-8B1F-E001D61DDAE4}"/>
+              </a:ext>
+            </a:extLst>
+          </p:cNvPr>
+          <p:cNvSpPr>
+            <a:spLocks noGrp="1"/>
+          </p:cNvSpPr>
+          <p:nvPr>
+            <p:ph idx="1"/>
+          </p:nvPr>
+        </p:nvSpPr>
+        <p:spPr>
+          <a:xfrm>
+            <a:off x="1069848" y="2121408"/>
+            <a:ext cx="10058400" cy="3812667"/>
+          </a:xfrm>
+        </p:spPr>
+        <p:txBody>
+          <a:bodyPr/>
+          <a:lstStyle/>
+          <a:p>
+            <a:r>
+              <a:rPr lang="en-US" dirty="0"/>
+              <a:t>Check stream.js</a:t>
+            </a:r>
+          </a:p>
+          <a:p>
+            <a:pPr lvl="1"/>
+            <a:r>
+              <a:rPr lang="en-US" dirty="0"/>
+              <a:t>It uses event emitter</a:t>
+            </a:r>
+          </a:p>
+          <a:p>
+            <a:r>
+              <a:rPr lang="en-US" dirty="0"/>
+              <a:t>Streams are abstract class</a:t>
+            </a:r>
+          </a:p>
+          <a:p>
+            <a:r>
+              <a:rPr lang="en-US" dirty="0"/>
+              <a:t>If stream is writable, node can send data to the stream</a:t>
+            </a:r>
+          </a:p>
+          <a:p>
+            <a:r>
+              <a:rPr lang="en-US" dirty="0"/>
+              <a:t>If stream is readable, node can get data from the stream</a:t>
+            </a:r>
+          </a:p>
+          <a:p>
+            <a:r>
+              <a:rPr lang="en-US" dirty="0"/>
+              <a:t>Getting data in chunks</a:t>
+            </a:r>
+          </a:p>
+          <a:p>
+            <a:r>
+              <a:rPr lang="en-US" dirty="0"/>
+              <a:t>Writing data in the same stream</a:t>
+            </a:r>
+          </a:p>
+        </p:txBody>
+      </p:sp>
+    </p:spTree>
+    <p:extLst>
+      <p:ext uri="{BB962C8B-B14F-4D97-AF65-F5344CB8AC3E}">
+        <p14:creationId xmlns:p14="http://schemas.microsoft.com/office/powerpoint/2010/main" val="3979639816"/>
+      </p:ext>
+    </p:extLst>
+  </p:cSld>
+  <p:clrMapOvr>
+    <a:masterClrMapping/>
+  </p:clrMapOvr>
+</p:sld>
+</file>
+
+<file path=ppt/slides/slide41.xml><?xml version="1.0" encoding="utf-8"?>
 <p:sld xmlns:a="http://schemas.openxmlformats.org/drawingml/2006/main" xmlns:r="http://schemas.openxmlformats.org/officeDocument/2006/relationships" xmlns:p="http://schemas.openxmlformats.org/presentationml/2006/main">
   <p:cSld>
     <p:spTree>
@@ -9996,7 +9665,7 @@
 </p:sld>
 </file>
 
-<file path=ppt/slides/slide41.xml><?xml version="1.0" encoding="utf-8"?>
+<file path=ppt/slides/slide42.xml><?xml version="1.0" encoding="utf-8"?>
 <p:sld xmlns:a="http://schemas.openxmlformats.org/drawingml/2006/main" xmlns:r="http://schemas.openxmlformats.org/officeDocument/2006/relationships" xmlns:p="http://schemas.openxmlformats.org/presentationml/2006/main">
   <p:cSld>
     <p:spTree>
@@ -10098,7 +9767,7 @@
 </p:sld>
 </file>
 
-<file path=ppt/slides/slide42.xml><?xml version="1.0" encoding="utf-8"?>
+<file path=ppt/slides/slide43.xml><?xml version="1.0" encoding="utf-8"?>
 <p:sld xmlns:a="http://schemas.openxmlformats.org/drawingml/2006/main" xmlns:r="http://schemas.openxmlformats.org/officeDocument/2006/relationships" xmlns:p="http://schemas.openxmlformats.org/presentationml/2006/main">
   <p:cSld>
     <p:spTree>
@@ -11390,7 +11059,7 @@
 </p:sld>
 </file>
 
-<file path=ppt/slides/slide43.xml><?xml version="1.0" encoding="utf-8"?>
+<file path=ppt/slides/slide44.xml><?xml version="1.0" encoding="utf-8"?>
 <p:sld xmlns:a="http://schemas.openxmlformats.org/drawingml/2006/main" xmlns:r="http://schemas.openxmlformats.org/officeDocument/2006/relationships" xmlns:p="http://schemas.openxmlformats.org/presentationml/2006/main">
   <p:cSld>
     <p:spTree>
@@ -11802,104 +11471,6 @@
 </p:sld>
 </file>
 
-<file path=ppt/slides/slide44.xml><?xml version="1.0" encoding="utf-8"?>
-<p:sld xmlns:a="http://schemas.openxmlformats.org/drawingml/2006/main" xmlns:r="http://schemas.openxmlformats.org/officeDocument/2006/relationships" xmlns:p="http://schemas.openxmlformats.org/presentationml/2006/main">
-  <p:cSld>
-    <p:spTree>
-      <p:nvGrpSpPr>
-        <p:cNvPr id="1" name=""/>
-        <p:cNvGrpSpPr/>
-        <p:nvPr/>
-      </p:nvGrpSpPr>
-      <p:grpSpPr>
-        <a:xfrm>
-          <a:off x="0" y="0"/>
-          <a:ext cx="0" cy="0"/>
-          <a:chOff x="0" y="0"/>
-          <a:chExt cx="0" cy="0"/>
-        </a:xfrm>
-      </p:grpSpPr>
-      <p:sp>
-        <p:nvSpPr>
-          <p:cNvPr id="2" name="Title 1">
-            <a:extLst>
-              <a:ext uri="{FF2B5EF4-FFF2-40B4-BE49-F238E27FC236}">
-                <a16:creationId xmlns:a16="http://schemas.microsoft.com/office/drawing/2014/main" id="{D7CB5BA2-5506-4A7B-9FF3-8E69C7643DF5}"/>
-              </a:ext>
-            </a:extLst>
-          </p:cNvPr>
-          <p:cNvSpPr>
-            <a:spLocks noGrp="1"/>
-          </p:cNvSpPr>
-          <p:nvPr>
-            <p:ph type="title"/>
-          </p:nvPr>
-        </p:nvSpPr>
-        <p:spPr/>
-        <p:txBody>
-          <a:bodyPr/>
-          <a:lstStyle/>
-          <a:p>
-            <a:r>
-              <a:rPr lang="en-US" dirty="0"/>
-              <a:t>HTTP</a:t>
-            </a:r>
-          </a:p>
-        </p:txBody>
-      </p:sp>
-      <p:sp>
-        <p:nvSpPr>
-          <p:cNvPr id="3" name="Content Placeholder 2">
-            <a:extLst>
-              <a:ext uri="{FF2B5EF4-FFF2-40B4-BE49-F238E27FC236}">
-                <a16:creationId xmlns:a16="http://schemas.microsoft.com/office/drawing/2014/main" id="{3FCB387E-E4BE-44DC-B816-08F4EEB81F50}"/>
-              </a:ext>
-            </a:extLst>
-          </p:cNvPr>
-          <p:cNvSpPr>
-            <a:spLocks noGrp="1"/>
-          </p:cNvSpPr>
-          <p:nvPr>
-            <p:ph idx="1"/>
-          </p:nvPr>
-        </p:nvSpPr>
-        <p:spPr/>
-        <p:txBody>
-          <a:bodyPr/>
-          <a:lstStyle/>
-          <a:p>
-            <a:r>
-              <a:rPr lang="en-US" dirty="0"/>
-              <a:t>Request headers</a:t>
-            </a:r>
-          </a:p>
-          <a:p>
-            <a:r>
-              <a:rPr lang="en-US" dirty="0"/>
-              <a:t>Response data</a:t>
-            </a:r>
-          </a:p>
-          <a:p>
-            <a:r>
-              <a:rPr lang="en-US" dirty="0"/>
-              <a:t>MIME types</a:t>
-            </a:r>
-          </a:p>
-        </p:txBody>
-      </p:sp>
-    </p:spTree>
-    <p:extLst>
-      <p:ext uri="{BB962C8B-B14F-4D97-AF65-F5344CB8AC3E}">
-        <p14:creationId xmlns:p14="http://schemas.microsoft.com/office/powerpoint/2010/main" val="2780936822"/>
-      </p:ext>
-    </p:extLst>
-  </p:cSld>
-  <p:clrMapOvr>
-    <a:masterClrMapping/>
-  </p:clrMapOvr>
-</p:sld>
-</file>
-
 <file path=ppt/slides/slide45.xml><?xml version="1.0" encoding="utf-8"?>
 <p:sld xmlns:a="http://schemas.openxmlformats.org/drawingml/2006/main" xmlns:r="http://schemas.openxmlformats.org/officeDocument/2006/relationships" xmlns:p="http://schemas.openxmlformats.org/presentationml/2006/main">
   <p:cSld>
@@ -11922,7 +11493,7 @@
           <p:cNvPr id="2" name="Title 1">
             <a:extLst>
               <a:ext uri="{FF2B5EF4-FFF2-40B4-BE49-F238E27FC236}">
-                <a16:creationId xmlns:a16="http://schemas.microsoft.com/office/drawing/2014/main" id="{3917F926-4D2C-4A4D-877C-6241890CCB17}"/>
+                <a16:creationId xmlns:a16="http://schemas.microsoft.com/office/drawing/2014/main" id="{D7CB5BA2-5506-4A7B-9FF3-8E69C7643DF5}"/>
               </a:ext>
             </a:extLst>
           </p:cNvPr>
@@ -11940,7 +11511,7 @@
           <a:p>
             <a:r>
               <a:rPr lang="en-US" dirty="0"/>
-              <a:t>Let’s create a web server</a:t>
+              <a:t>HTTP</a:t>
             </a:r>
           </a:p>
         </p:txBody>
@@ -11950,7 +11521,7 @@
           <p:cNvPr id="3" name="Content Placeholder 2">
             <a:extLst>
               <a:ext uri="{FF2B5EF4-FFF2-40B4-BE49-F238E27FC236}">
-                <a16:creationId xmlns:a16="http://schemas.microsoft.com/office/drawing/2014/main" id="{8E664101-58D5-41F6-92D2-537069FAF6CD}"/>
+                <a16:creationId xmlns:a16="http://schemas.microsoft.com/office/drawing/2014/main" id="{3FCB387E-E4BE-44DC-B816-08F4EEB81F50}"/>
               </a:ext>
             </a:extLst>
           </p:cNvPr>
@@ -11968,43 +11539,19 @@
           <a:p>
             <a:r>
               <a:rPr lang="en-US" dirty="0"/>
-              <a:t>Return a text</a:t>
-            </a:r>
-          </a:p>
-          <a:p>
-            <a:r>
-              <a:rPr lang="en-US" dirty="0"/>
-              <a:t>Return an html file</a:t>
-            </a:r>
-          </a:p>
-          <a:p>
-            <a:r>
-              <a:rPr lang="en-US" dirty="0"/>
-              <a:t>Let’s change and see if the file still runs</a:t>
-            </a:r>
-          </a:p>
-          <a:p>
-            <a:r>
-              <a:rPr lang="en-US" dirty="0"/>
-              <a:t>Template</a:t>
-            </a:r>
-          </a:p>
-          <a:p>
-            <a:r>
-              <a:rPr lang="en-US" dirty="0"/>
-              <a:t>Read the file as stream instead of file</a:t>
-            </a:r>
-          </a:p>
-          <a:p>
-            <a:r>
-              <a:rPr lang="en-US" dirty="0"/>
-              <a:t>Outputting JSON</a:t>
-            </a:r>
-          </a:p>
-          <a:p>
-            <a:r>
-              <a:rPr lang="en-US" dirty="0"/>
-              <a:t>Routing</a:t>
+              <a:t>Request headers</a:t>
+            </a:r>
+          </a:p>
+          <a:p>
+            <a:r>
+              <a:rPr lang="en-US" dirty="0"/>
+              <a:t>Response data</a:t>
+            </a:r>
+          </a:p>
+          <a:p>
+            <a:r>
+              <a:rPr lang="en-US" dirty="0"/>
+              <a:t>MIME types</a:t>
             </a:r>
           </a:p>
         </p:txBody>
@@ -12012,7 +11559,7 @@
     </p:spTree>
     <p:extLst>
       <p:ext uri="{BB962C8B-B14F-4D97-AF65-F5344CB8AC3E}">
-        <p14:creationId xmlns:p14="http://schemas.microsoft.com/office/powerpoint/2010/main" val="1028722587"/>
+        <p14:creationId xmlns:p14="http://schemas.microsoft.com/office/powerpoint/2010/main" val="2780936822"/>
       </p:ext>
     </p:extLst>
   </p:cSld>
@@ -12044,7 +11591,7 @@
           <p:cNvPr id="2" name="Title 1">
             <a:extLst>
               <a:ext uri="{FF2B5EF4-FFF2-40B4-BE49-F238E27FC236}">
-                <a16:creationId xmlns:a16="http://schemas.microsoft.com/office/drawing/2014/main" id="{E7892B01-C6BC-4C3B-8BDF-F93EC57B0D80}"/>
+                <a16:creationId xmlns:a16="http://schemas.microsoft.com/office/drawing/2014/main" id="{3917F926-4D2C-4A4D-877C-6241890CCB17}"/>
               </a:ext>
             </a:extLst>
           </p:cNvPr>
@@ -12062,7 +11609,7 @@
           <a:p>
             <a:r>
               <a:rPr lang="en-US" dirty="0"/>
-              <a:t>NPM and Node package managers</a:t>
+              <a:t>Let’s create a web server</a:t>
             </a:r>
           </a:p>
         </p:txBody>
@@ -12072,7 +11619,7 @@
           <p:cNvPr id="3" name="Content Placeholder 2">
             <a:extLst>
               <a:ext uri="{FF2B5EF4-FFF2-40B4-BE49-F238E27FC236}">
-                <a16:creationId xmlns:a16="http://schemas.microsoft.com/office/drawing/2014/main" id="{99906D20-6D46-44D0-8A11-81A568FDC75B}"/>
+                <a16:creationId xmlns:a16="http://schemas.microsoft.com/office/drawing/2014/main" id="{8E664101-58D5-41F6-92D2-537069FAF6CD}"/>
               </a:ext>
             </a:extLst>
           </p:cNvPr>
@@ -12090,72 +11637,51 @@
           <a:p>
             <a:r>
               <a:rPr lang="en-US" dirty="0"/>
-              <a:t>Package manager is a utility/tool to allow you to maintain versions of the packages</a:t>
-            </a:r>
-          </a:p>
-          <a:p>
-            <a:r>
-              <a:rPr lang="en-US" dirty="0"/>
-              <a:t>Dependency management – It allows you to deal with dependencies</a:t>
-            </a:r>
-          </a:p>
-          <a:p>
-            <a:r>
-              <a:rPr lang="en-US" dirty="0"/>
-              <a:t>Semantic versioning – SEMVER</a:t>
-            </a:r>
-          </a:p>
-          <a:p>
-            <a:pPr lvl="1"/>
-            <a:r>
-              <a:rPr lang="en-US" dirty="0" err="1"/>
-              <a:t>Major.minor.patch</a:t>
-            </a:r>
-            <a:endParaRPr lang="en-US" dirty="0"/>
-          </a:p>
-          <a:p>
-            <a:pPr lvl="1"/>
-            <a:r>
-              <a:rPr lang="en-US" dirty="0"/>
-              <a:t>For more info: semver.org</a:t>
-            </a:r>
-          </a:p>
-          <a:p>
-            <a:r>
-              <a:rPr lang="en-US" dirty="0"/>
-              <a:t>NPM and NPM registry</a:t>
-            </a:r>
-          </a:p>
-          <a:p>
-            <a:pPr lvl="1"/>
-            <a:r>
-              <a:rPr lang="en-US" dirty="0" err="1"/>
-              <a:t>Npm</a:t>
-            </a:r>
-            <a:r>
-              <a:rPr lang="en-US" dirty="0"/>
-              <a:t> –v</a:t>
-            </a:r>
-          </a:p>
-          <a:p>
-            <a:pPr lvl="1"/>
-            <a:r>
-              <a:rPr lang="en-US" dirty="0"/>
-              <a:t>To check the registry – npmjs.com</a:t>
-            </a:r>
-          </a:p>
-          <a:p>
-            <a:pPr marL="0" indent="0">
-              <a:buNone/>
-            </a:pPr>
-            <a:endParaRPr lang="en-US" dirty="0"/>
+              <a:t>Return a text</a:t>
+            </a:r>
+          </a:p>
+          <a:p>
+            <a:r>
+              <a:rPr lang="en-US" dirty="0"/>
+              <a:t>Return an html file</a:t>
+            </a:r>
+          </a:p>
+          <a:p>
+            <a:r>
+              <a:rPr lang="en-US" dirty="0"/>
+              <a:t>Let’s change and see if the file still runs</a:t>
+            </a:r>
+          </a:p>
+          <a:p>
+            <a:r>
+              <a:rPr lang="en-US" dirty="0"/>
+              <a:t>Template</a:t>
+            </a:r>
+          </a:p>
+          <a:p>
+            <a:r>
+              <a:rPr lang="en-US" dirty="0"/>
+              <a:t>Read the file as stream instead of file</a:t>
+            </a:r>
+          </a:p>
+          <a:p>
+            <a:r>
+              <a:rPr lang="en-US" dirty="0"/>
+              <a:t>Outputting JSON</a:t>
+            </a:r>
+          </a:p>
+          <a:p>
+            <a:r>
+              <a:rPr lang="en-US" dirty="0"/>
+              <a:t>Routing</a:t>
+            </a:r>
           </a:p>
         </p:txBody>
       </p:sp>
     </p:spTree>
     <p:extLst>
       <p:ext uri="{BB962C8B-B14F-4D97-AF65-F5344CB8AC3E}">
-        <p14:creationId xmlns:p14="http://schemas.microsoft.com/office/powerpoint/2010/main" val="1906075212"/>
+        <p14:creationId xmlns:p14="http://schemas.microsoft.com/office/powerpoint/2010/main" val="1028722587"/>
       </p:ext>
     </p:extLst>
   </p:cSld>
@@ -12187,7 +11713,7 @@
           <p:cNvPr id="2" name="Title 1">
             <a:extLst>
               <a:ext uri="{FF2B5EF4-FFF2-40B4-BE49-F238E27FC236}">
-                <a16:creationId xmlns:a16="http://schemas.microsoft.com/office/drawing/2014/main" id="{2B7C34D9-D818-4350-8779-7EBC77465CBB}"/>
+                <a16:creationId xmlns:a16="http://schemas.microsoft.com/office/drawing/2014/main" id="{E7892B01-C6BC-4C3B-8BDF-F93EC57B0D80}"/>
               </a:ext>
             </a:extLst>
           </p:cNvPr>
@@ -12205,7 +11731,7 @@
           <a:p>
             <a:r>
               <a:rPr lang="en-US" dirty="0"/>
-              <a:t>Let’s start a project and install a package</a:t>
+              <a:t>NPM and Node package managers</a:t>
             </a:r>
           </a:p>
         </p:txBody>
@@ -12215,7 +11741,7 @@
           <p:cNvPr id="3" name="Content Placeholder 2">
             <a:extLst>
               <a:ext uri="{FF2B5EF4-FFF2-40B4-BE49-F238E27FC236}">
-                <a16:creationId xmlns:a16="http://schemas.microsoft.com/office/drawing/2014/main" id="{A5F7B3E3-1C9F-4EEF-B39D-6C607BF34076}"/>
+                <a16:creationId xmlns:a16="http://schemas.microsoft.com/office/drawing/2014/main" id="{99906D20-6D46-44D0-8A11-81A568FDC75B}"/>
               </a:ext>
             </a:extLst>
           </p:cNvPr>
@@ -12232,102 +11758,65 @@
           <a:lstStyle/>
           <a:p>
             <a:r>
+              <a:rPr lang="en-US" dirty="0"/>
+              <a:t>Package manager is a utility/tool to allow you to maintain versions of the packages</a:t>
+            </a:r>
+          </a:p>
+          <a:p>
+            <a:r>
+              <a:rPr lang="en-US" dirty="0"/>
+              <a:t>Dependency management – It allows you to deal with dependencies</a:t>
+            </a:r>
+          </a:p>
+          <a:p>
+            <a:r>
+              <a:rPr lang="en-US" dirty="0"/>
+              <a:t>Semantic versioning – SEMVER</a:t>
+            </a:r>
+          </a:p>
+          <a:p>
+            <a:pPr lvl="1"/>
+            <a:r>
+              <a:rPr lang="en-US" dirty="0" err="1"/>
+              <a:t>Major.minor.patch</a:t>
+            </a:r>
+            <a:endParaRPr lang="en-US" dirty="0"/>
+          </a:p>
+          <a:p>
+            <a:pPr lvl="1"/>
+            <a:r>
+              <a:rPr lang="en-US" dirty="0"/>
+              <a:t>For more info: semver.org</a:t>
+            </a:r>
+          </a:p>
+          <a:p>
+            <a:r>
+              <a:rPr lang="en-US" dirty="0"/>
+              <a:t>NPM and NPM registry</a:t>
+            </a:r>
+          </a:p>
+          <a:p>
+            <a:pPr lvl="1"/>
+            <a:r>
               <a:rPr lang="en-US" dirty="0" err="1"/>
               <a:t>Npm</a:t>
             </a:r>
             <a:r>
               <a:rPr lang="en-US" dirty="0"/>
-              <a:t> </a:t>
-            </a:r>
-            <a:r>
-              <a:rPr lang="en-US" dirty="0" err="1"/>
-              <a:t>init</a:t>
-            </a:r>
-            <a:endParaRPr lang="en-US" dirty="0"/>
-          </a:p>
-          <a:p>
-            <a:r>
-              <a:rPr lang="en-US" dirty="0" err="1"/>
-              <a:t>Npm</a:t>
-            </a:r>
-            <a:r>
-              <a:rPr lang="en-US" dirty="0"/>
-              <a:t> install moment –save</a:t>
+              <a:t> –v</a:t>
             </a:r>
           </a:p>
           <a:p>
             <a:pPr lvl="1"/>
             <a:r>
               <a:rPr lang="en-US" dirty="0"/>
-              <a:t>--save let’s you make an entry in </a:t>
-            </a:r>
-            <a:r>
-              <a:rPr lang="en-US" dirty="0" err="1"/>
-              <a:t>package.json</a:t>
-            </a:r>
-            <a:endParaRPr lang="en-US" dirty="0"/>
-          </a:p>
-          <a:p>
-            <a:r>
-              <a:rPr lang="en-US" dirty="0" err="1"/>
-              <a:t>Npm</a:t>
-            </a:r>
-            <a:r>
-              <a:rPr lang="en-US" dirty="0"/>
-              <a:t> modules are used for client side code as well</a:t>
-            </a:r>
-          </a:p>
-          <a:p>
-            <a:r>
-              <a:rPr lang="en-US" dirty="0"/>
-              <a:t>‘^’ – update me to anything within this major release</a:t>
-            </a:r>
-          </a:p>
-          <a:p>
-            <a:r>
-              <a:rPr lang="en-US" dirty="0"/>
-              <a:t>‘~’ – Update me only patches, not even minor updates</a:t>
-            </a:r>
-          </a:p>
-          <a:p>
-            <a:r>
-              <a:rPr lang="en-US" dirty="0"/>
-              <a:t>We ship without the folder – </a:t>
-            </a:r>
-            <a:r>
-              <a:rPr lang="en-US" dirty="0" err="1"/>
-              <a:t>node_modules</a:t>
-            </a:r>
-            <a:r>
-              <a:rPr lang="en-US" dirty="0"/>
-              <a:t>. Simply run </a:t>
-            </a:r>
-            <a:r>
-              <a:rPr lang="en-US" dirty="0" err="1"/>
-              <a:t>npm</a:t>
-            </a:r>
-            <a:r>
-              <a:rPr lang="en-US" dirty="0"/>
-              <a:t> install with </a:t>
-            </a:r>
-            <a:r>
-              <a:rPr lang="en-US" dirty="0" err="1"/>
-              <a:t>package.json</a:t>
-            </a:r>
-            <a:endParaRPr lang="en-US" dirty="0"/>
-          </a:p>
-          <a:p>
-            <a:r>
-              <a:rPr lang="en-US" dirty="0"/>
-              <a:t>If we say require without a path, it looks within node core and then </a:t>
-            </a:r>
-            <a:r>
-              <a:rPr lang="en-US" dirty="0" err="1"/>
-              <a:t>node_modules</a:t>
-            </a:r>
-            <a:endParaRPr lang="en-US" dirty="0"/>
-          </a:p>
-          <a:p>
+              <a:t>To check the registry – npmjs.com</a:t>
+            </a:r>
+          </a:p>
+          <a:p>
+            <a:pPr marL="0" indent="0">
+              <a:buNone/>
+            </a:pPr>
             <a:endParaRPr lang="en-US" dirty="0"/>
           </a:p>
         </p:txBody>
@@ -12335,7 +11824,7 @@
     </p:spTree>
     <p:extLst>
       <p:ext uri="{BB962C8B-B14F-4D97-AF65-F5344CB8AC3E}">
-        <p14:creationId xmlns:p14="http://schemas.microsoft.com/office/powerpoint/2010/main" val="908217117"/>
+        <p14:creationId xmlns:p14="http://schemas.microsoft.com/office/powerpoint/2010/main" val="1906075212"/>
       </p:ext>
     </p:extLst>
   </p:cSld>
@@ -12367,7 +11856,7 @@
           <p:cNvPr id="2" name="Title 1">
             <a:extLst>
               <a:ext uri="{FF2B5EF4-FFF2-40B4-BE49-F238E27FC236}">
-                <a16:creationId xmlns:a16="http://schemas.microsoft.com/office/drawing/2014/main" id="{9E3A5722-D2F9-433B-A3AD-85BD4D7C9670}"/>
+                <a16:creationId xmlns:a16="http://schemas.microsoft.com/office/drawing/2014/main" id="{2B7C34D9-D818-4350-8779-7EBC77465CBB}"/>
               </a:ext>
             </a:extLst>
           </p:cNvPr>
@@ -12384,20 +11873,8 @@
           <a:lstStyle/>
           <a:p>
             <a:r>
-              <a:rPr lang="en-US" dirty="0" err="1"/>
-              <a:t>nPM</a:t>
-            </a:r>
-            <a:r>
-              <a:rPr lang="en-US" dirty="0"/>
-              <a:t> packages </a:t>
-            </a:r>
-            <a:r>
-              <a:rPr lang="en-US" dirty="0" err="1"/>
-              <a:t>contd</a:t>
-            </a:r>
-            <a:r>
-              <a:rPr lang="en-US" dirty="0"/>
-              <a:t> …</a:t>
+              <a:rPr lang="en-US" dirty="0"/>
+              <a:t>Let’s start a project and install a package</a:t>
             </a:r>
           </a:p>
         </p:txBody>
@@ -12407,7 +11884,7 @@
           <p:cNvPr id="3" name="Content Placeholder 2">
             <a:extLst>
               <a:ext uri="{FF2B5EF4-FFF2-40B4-BE49-F238E27FC236}">
-                <a16:creationId xmlns:a16="http://schemas.microsoft.com/office/drawing/2014/main" id="{8AB830D2-261D-4770-8A95-CD41BABAEB2A}"/>
+                <a16:creationId xmlns:a16="http://schemas.microsoft.com/office/drawing/2014/main" id="{A5F7B3E3-1C9F-4EEF-B39D-6C607BF34076}"/>
               </a:ext>
             </a:extLst>
           </p:cNvPr>
@@ -12424,55 +11901,40 @@
           <a:lstStyle/>
           <a:p>
             <a:r>
-              <a:rPr lang="en-US" dirty="0"/>
-              <a:t>Dev dependencies</a:t>
-            </a:r>
-          </a:p>
-          <a:p>
-            <a:pPr lvl="1"/>
-            <a:r>
               <a:rPr lang="en-US" dirty="0" err="1"/>
               <a:t>Npm</a:t>
             </a:r>
             <a:r>
               <a:rPr lang="en-US" dirty="0"/>
-              <a:t> install jasmine-node --save -dev</a:t>
-            </a:r>
-          </a:p>
-          <a:p>
-            <a:r>
-              <a:rPr lang="en-US" dirty="0"/>
-              <a:t>Global dev dependencies</a:t>
-            </a:r>
-          </a:p>
-          <a:p>
-            <a:pPr lvl="1"/>
+              <a:t> </a:t>
+            </a:r>
+            <a:r>
+              <a:rPr lang="en-US" dirty="0" err="1"/>
+              <a:t>init</a:t>
+            </a:r>
+            <a:endParaRPr lang="en-US" dirty="0"/>
+          </a:p>
+          <a:p>
             <a:r>
               <a:rPr lang="en-US" dirty="0" err="1"/>
               <a:t>Npm</a:t>
             </a:r>
             <a:r>
               <a:rPr lang="en-US" dirty="0"/>
-              <a:t> install –g </a:t>
+              <a:t> install moment –save</a:t>
+            </a:r>
+          </a:p>
+          <a:p>
+            <a:pPr lvl="1"/>
+            <a:r>
+              <a:rPr lang="en-US" dirty="0"/>
+              <a:t>--save let’s you make an entry in </a:t>
             </a:r>
             <a:r>
               <a:rPr lang="en-US" dirty="0" err="1"/>
-              <a:t>nodemon</a:t>
-            </a:r>
-            <a:endParaRPr lang="en-US" dirty="0"/>
-          </a:p>
-          <a:p>
-            <a:pPr lvl="1"/>
-            <a:r>
-              <a:rPr lang="en-US" dirty="0"/>
-              <a:t>Location of the module in the specific user in windows</a:t>
-            </a:r>
-          </a:p>
-          <a:p>
-            <a:r>
-              <a:rPr lang="en-US" dirty="0"/>
-              <a:t>Check how dependencies are managed</a:t>
-            </a:r>
+              <a:t>package.json</a:t>
+            </a:r>
+            <a:endParaRPr lang="en-US" dirty="0"/>
           </a:p>
           <a:p>
             <a:r>
@@ -12481,15 +11943,68 @@
             </a:r>
             <a:r>
               <a:rPr lang="en-US" dirty="0"/>
-              <a:t> update</a:t>
-            </a:r>
+              <a:t> modules are used for client side code as well</a:t>
+            </a:r>
+          </a:p>
+          <a:p>
+            <a:r>
+              <a:rPr lang="en-US" dirty="0"/>
+              <a:t>‘^’ – update me to anything within this major release</a:t>
+            </a:r>
+          </a:p>
+          <a:p>
+            <a:r>
+              <a:rPr lang="en-US" dirty="0"/>
+              <a:t>‘~’ – Update me only patches, not even minor updates</a:t>
+            </a:r>
+          </a:p>
+          <a:p>
+            <a:r>
+              <a:rPr lang="en-US" dirty="0"/>
+              <a:t>We ship without the folder – </a:t>
+            </a:r>
+            <a:r>
+              <a:rPr lang="en-US" dirty="0" err="1"/>
+              <a:t>node_modules</a:t>
+            </a:r>
+            <a:r>
+              <a:rPr lang="en-US" dirty="0"/>
+              <a:t>. Simply run </a:t>
+            </a:r>
+            <a:r>
+              <a:rPr lang="en-US" dirty="0" err="1"/>
+              <a:t>npm</a:t>
+            </a:r>
+            <a:r>
+              <a:rPr lang="en-US" dirty="0"/>
+              <a:t> install with </a:t>
+            </a:r>
+            <a:r>
+              <a:rPr lang="en-US" dirty="0" err="1"/>
+              <a:t>package.json</a:t>
+            </a:r>
+            <a:endParaRPr lang="en-US" dirty="0"/>
+          </a:p>
+          <a:p>
+            <a:r>
+              <a:rPr lang="en-US" dirty="0"/>
+              <a:t>If we say require without a path, it looks within node core and then </a:t>
+            </a:r>
+            <a:r>
+              <a:rPr lang="en-US" dirty="0" err="1"/>
+              <a:t>node_modules</a:t>
+            </a:r>
+            <a:endParaRPr lang="en-US" dirty="0"/>
+          </a:p>
+          <a:p>
+            <a:endParaRPr lang="en-US" dirty="0"/>
           </a:p>
         </p:txBody>
       </p:sp>
     </p:spTree>
     <p:extLst>
       <p:ext uri="{BB962C8B-B14F-4D97-AF65-F5344CB8AC3E}">
-        <p14:creationId xmlns:p14="http://schemas.microsoft.com/office/powerpoint/2010/main" val="4121451245"/>
+        <p14:creationId xmlns:p14="http://schemas.microsoft.com/office/powerpoint/2010/main" val="908217117"/>
       </p:ext>
     </p:extLst>
   </p:cSld>
@@ -12521,7 +12036,7 @@
           <p:cNvPr id="2" name="Title 1">
             <a:extLst>
               <a:ext uri="{FF2B5EF4-FFF2-40B4-BE49-F238E27FC236}">
-                <a16:creationId xmlns:a16="http://schemas.microsoft.com/office/drawing/2014/main" id="{7E76B972-11EC-4D23-B61B-B25A0E030842}"/>
+                <a16:creationId xmlns:a16="http://schemas.microsoft.com/office/drawing/2014/main" id="{9E3A5722-D2F9-433B-A3AD-85BD4D7C9670}"/>
               </a:ext>
             </a:extLst>
           </p:cNvPr>
@@ -12538,8 +12053,20 @@
           <a:lstStyle/>
           <a:p>
             <a:r>
-              <a:rPr lang="en-US" dirty="0"/>
-              <a:t>Express and web server</a:t>
+              <a:rPr lang="en-US" dirty="0" err="1"/>
+              <a:t>nPM</a:t>
+            </a:r>
+            <a:r>
+              <a:rPr lang="en-US" dirty="0"/>
+              <a:t> packages </a:t>
+            </a:r>
+            <a:r>
+              <a:rPr lang="en-US" dirty="0" err="1"/>
+              <a:t>contd</a:t>
+            </a:r>
+            <a:r>
+              <a:rPr lang="en-US" dirty="0"/>
+              <a:t> …</a:t>
             </a:r>
           </a:p>
         </p:txBody>
@@ -12549,7 +12076,7 @@
           <p:cNvPr id="3" name="Content Placeholder 2">
             <a:extLst>
               <a:ext uri="{FF2B5EF4-FFF2-40B4-BE49-F238E27FC236}">
-                <a16:creationId xmlns:a16="http://schemas.microsoft.com/office/drawing/2014/main" id="{F14B1524-4285-41CC-8447-40EB12E9D750}"/>
+                <a16:creationId xmlns:a16="http://schemas.microsoft.com/office/drawing/2014/main" id="{8AB830D2-261D-4770-8A95-CD41BABAEB2A}"/>
               </a:ext>
             </a:extLst>
           </p:cNvPr>
@@ -12567,59 +12094,63 @@
           <a:p>
             <a:r>
               <a:rPr lang="en-US" dirty="0"/>
-              <a:t>Installing express</a:t>
-            </a:r>
-          </a:p>
-          <a:p>
-            <a:r>
-              <a:rPr lang="en-US" dirty="0"/>
-              <a:t>Port number from environment variable</a:t>
-            </a:r>
-          </a:p>
-          <a:p>
+              <a:t>Dev dependencies</a:t>
+            </a:r>
+          </a:p>
+          <a:p>
+            <a:pPr lvl="1"/>
             <a:r>
               <a:rPr lang="en-US" dirty="0" err="1"/>
-              <a:t>App.get</a:t>
-            </a:r>
-            <a:endParaRPr lang="en-US" dirty="0"/>
-          </a:p>
-          <a:p>
+              <a:t>Npm</a:t>
+            </a:r>
+            <a:r>
+              <a:rPr lang="en-US" dirty="0"/>
+              <a:t> install jasmine-node --save -dev</a:t>
+            </a:r>
+          </a:p>
+          <a:p>
+            <a:r>
+              <a:rPr lang="en-US" dirty="0"/>
+              <a:t>Global dev dependencies</a:t>
+            </a:r>
+          </a:p>
+          <a:p>
+            <a:pPr lvl="1"/>
             <a:r>
               <a:rPr lang="en-US" dirty="0" err="1"/>
-              <a:t>App.listen</a:t>
-            </a:r>
-            <a:endParaRPr lang="en-US" dirty="0"/>
-          </a:p>
-          <a:p>
-            <a:r>
-              <a:rPr lang="en-US" dirty="0"/>
-              <a:t>Middleware with .use</a:t>
-            </a:r>
-          </a:p>
-          <a:p>
-            <a:r>
-              <a:rPr lang="en-US" dirty="0"/>
-              <a:t>Creating a custom middleware</a:t>
-            </a:r>
-          </a:p>
-          <a:p>
-            <a:r>
-              <a:rPr lang="en-US" dirty="0"/>
-              <a:t>More </a:t>
+              <a:t>Npm</a:t>
+            </a:r>
+            <a:r>
+              <a:rPr lang="en-US" dirty="0"/>
+              <a:t> install –g </a:t>
             </a:r>
             <a:r>
               <a:rPr lang="en-US" dirty="0" err="1"/>
-              <a:t>middlewares</a:t>
-            </a:r>
-            <a:r>
-              <a:rPr lang="en-US" dirty="0"/>
-              <a:t>, check the resources section of express website: cookie parser and passport</a:t>
-            </a:r>
-          </a:p>
-          <a:p>
-            <a:r>
-              <a:rPr lang="en-US" dirty="0"/>
-              <a:t>Templates</a:t>
+              <a:t>nodemon</a:t>
+            </a:r>
+            <a:endParaRPr lang="en-US" dirty="0"/>
+          </a:p>
+          <a:p>
+            <a:pPr lvl="1"/>
+            <a:r>
+              <a:rPr lang="en-US" dirty="0"/>
+              <a:t>Location of the module in the specific user in windows</a:t>
+            </a:r>
+          </a:p>
+          <a:p>
+            <a:r>
+              <a:rPr lang="en-US" dirty="0"/>
+              <a:t>Check how dependencies are managed</a:t>
+            </a:r>
+          </a:p>
+          <a:p>
+            <a:r>
+              <a:rPr lang="en-US" dirty="0" err="1"/>
+              <a:t>Npm</a:t>
+            </a:r>
+            <a:r>
+              <a:rPr lang="en-US" dirty="0"/>
+              <a:t> update</a:t>
             </a:r>
           </a:p>
         </p:txBody>
@@ -12627,7 +12158,7 @@
     </p:spTree>
     <p:extLst>
       <p:ext uri="{BB962C8B-B14F-4D97-AF65-F5344CB8AC3E}">
-        <p14:creationId xmlns:p14="http://schemas.microsoft.com/office/powerpoint/2010/main" val="1614838402"/>
+        <p14:creationId xmlns:p14="http://schemas.microsoft.com/office/powerpoint/2010/main" val="4121451245"/>
       </p:ext>
     </p:extLst>
   </p:cSld>
@@ -12750,36 +12281,6 @@
           </a:p>
         </p:txBody>
       </p:sp>
-      <p:pic>
-        <p:nvPicPr>
-          <p:cNvPr id="5" name="Picture 4"/>
-          <p:cNvPicPr>
-            <a:picLocks noChangeAspect="1"/>
-          </p:cNvPicPr>
-          <p:nvPr/>
-        </p:nvPicPr>
-        <p:blipFill>
-          <a:blip r:embed="rId2">
-            <a:extLst>
-              <a:ext uri="{28A0092B-C50C-407E-A947-70E740481C1C}">
-                <a14:useLocalDpi xmlns:a14="http://schemas.microsoft.com/office/drawing/2010/main" val="0"/>
-              </a:ext>
-            </a:extLst>
-          </a:blip>
-          <a:stretch>
-            <a:fillRect/>
-          </a:stretch>
-        </p:blipFill>
-        <p:spPr>
-          <a:xfrm>
-            <a:off x="909446" y="5721919"/>
-            <a:ext cx="1398326" cy="867661"/>
-          </a:xfrm>
-          <a:prstGeom prst="rect">
-            <a:avLst/>
-          </a:prstGeom>
-        </p:spPr>
-      </p:pic>
     </p:spTree>
     <p:extLst>
       <p:ext uri="{BB962C8B-B14F-4D97-AF65-F5344CB8AC3E}">
@@ -12815,6 +12316,247 @@
           <p:cNvPr id="2" name="Title 1">
             <a:extLst>
               <a:ext uri="{FF2B5EF4-FFF2-40B4-BE49-F238E27FC236}">
+                <a16:creationId xmlns:a16="http://schemas.microsoft.com/office/drawing/2014/main" id="{7E76B972-11EC-4D23-B61B-B25A0E030842}"/>
+              </a:ext>
+            </a:extLst>
+          </p:cNvPr>
+          <p:cNvSpPr>
+            <a:spLocks noGrp="1"/>
+          </p:cNvSpPr>
+          <p:nvPr>
+            <p:ph type="title"/>
+          </p:nvPr>
+        </p:nvSpPr>
+        <p:spPr/>
+        <p:txBody>
+          <a:bodyPr/>
+          <a:lstStyle/>
+          <a:p>
+            <a:r>
+              <a:rPr lang="en-US" dirty="0"/>
+              <a:t>Express and web server</a:t>
+            </a:r>
+          </a:p>
+        </p:txBody>
+      </p:sp>
+      <p:sp>
+        <p:nvSpPr>
+          <p:cNvPr id="3" name="Content Placeholder 2">
+            <a:extLst>
+              <a:ext uri="{FF2B5EF4-FFF2-40B4-BE49-F238E27FC236}">
+                <a16:creationId xmlns:a16="http://schemas.microsoft.com/office/drawing/2014/main" id="{F14B1524-4285-41CC-8447-40EB12E9D750}"/>
+              </a:ext>
+            </a:extLst>
+          </p:cNvPr>
+          <p:cNvSpPr>
+            <a:spLocks noGrp="1"/>
+          </p:cNvSpPr>
+          <p:nvPr>
+            <p:ph idx="1"/>
+          </p:nvPr>
+        </p:nvSpPr>
+        <p:spPr/>
+        <p:txBody>
+          <a:bodyPr/>
+          <a:lstStyle/>
+          <a:p>
+            <a:r>
+              <a:rPr lang="en-US" dirty="0"/>
+              <a:t>Installing express</a:t>
+            </a:r>
+          </a:p>
+          <a:p>
+            <a:r>
+              <a:rPr lang="en-US" dirty="0"/>
+              <a:t>Port number from environment variable</a:t>
+            </a:r>
+          </a:p>
+          <a:p>
+            <a:r>
+              <a:rPr lang="en-US" dirty="0" err="1"/>
+              <a:t>App.get</a:t>
+            </a:r>
+            <a:endParaRPr lang="en-US" dirty="0"/>
+          </a:p>
+          <a:p>
+            <a:r>
+              <a:rPr lang="en-US" dirty="0" err="1"/>
+              <a:t>App.listen</a:t>
+            </a:r>
+            <a:endParaRPr lang="en-US" dirty="0"/>
+          </a:p>
+          <a:p>
+            <a:r>
+              <a:rPr lang="en-US" dirty="0"/>
+              <a:t>Middleware with .use – Static files</a:t>
+            </a:r>
+          </a:p>
+          <a:p>
+            <a:r>
+              <a:rPr lang="en-US" dirty="0"/>
+              <a:t>Creating a custom middleware</a:t>
+            </a:r>
+          </a:p>
+          <a:p>
+            <a:r>
+              <a:rPr lang="en-US" dirty="0"/>
+              <a:t>More </a:t>
+            </a:r>
+            <a:r>
+              <a:rPr lang="en-US" dirty="0" err="1"/>
+              <a:t>middlewares</a:t>
+            </a:r>
+            <a:r>
+              <a:rPr lang="en-US" dirty="0"/>
+              <a:t>, check the resources section of express website: cookie parser and passport</a:t>
+            </a:r>
+          </a:p>
+          <a:p>
+            <a:r>
+              <a:rPr lang="en-US" dirty="0"/>
+              <a:t>Templates</a:t>
+            </a:r>
+          </a:p>
+        </p:txBody>
+      </p:sp>
+    </p:spTree>
+    <p:extLst>
+      <p:ext uri="{BB962C8B-B14F-4D97-AF65-F5344CB8AC3E}">
+        <p14:creationId xmlns:p14="http://schemas.microsoft.com/office/powerpoint/2010/main" val="1614838402"/>
+      </p:ext>
+    </p:extLst>
+  </p:cSld>
+  <p:clrMapOvr>
+    <a:masterClrMapping/>
+  </p:clrMapOvr>
+</p:sld>
+</file>
+
+<file path=ppt/slides/slide51.xml><?xml version="1.0" encoding="utf-8"?>
+<p:sld xmlns:a="http://schemas.openxmlformats.org/drawingml/2006/main" xmlns:r="http://schemas.openxmlformats.org/officeDocument/2006/relationships" xmlns:p="http://schemas.openxmlformats.org/presentationml/2006/main">
+  <p:cSld>
+    <p:spTree>
+      <p:nvGrpSpPr>
+        <p:cNvPr id="1" name=""/>
+        <p:cNvGrpSpPr/>
+        <p:nvPr/>
+      </p:nvGrpSpPr>
+      <p:grpSpPr>
+        <a:xfrm>
+          <a:off x="0" y="0"/>
+          <a:ext cx="0" cy="0"/>
+          <a:chOff x="0" y="0"/>
+          <a:chExt cx="0" cy="0"/>
+        </a:xfrm>
+      </p:grpSpPr>
+      <p:sp>
+        <p:nvSpPr>
+          <p:cNvPr id="2" name="Title 1">
+            <a:extLst>
+              <a:ext uri="{FF2B5EF4-FFF2-40B4-BE49-F238E27FC236}">
+                <a16:creationId xmlns:a16="http://schemas.microsoft.com/office/drawing/2014/main" id="{7E76B972-11EC-4D23-B61B-B25A0E030842}"/>
+              </a:ext>
+            </a:extLst>
+          </p:cNvPr>
+          <p:cNvSpPr>
+            <a:spLocks noGrp="1"/>
+          </p:cNvSpPr>
+          <p:nvPr>
+            <p:ph type="title"/>
+          </p:nvPr>
+        </p:nvSpPr>
+        <p:spPr/>
+        <p:txBody>
+          <a:bodyPr/>
+          <a:lstStyle/>
+          <a:p>
+            <a:r>
+              <a:rPr lang="en-US" dirty="0"/>
+              <a:t>Express – </a:t>
+            </a:r>
+            <a:r>
+              <a:rPr lang="en-US" dirty="0" err="1"/>
+              <a:t>contd</a:t>
+            </a:r>
+            <a:endParaRPr lang="en-US" dirty="0"/>
+          </a:p>
+        </p:txBody>
+      </p:sp>
+      <p:sp>
+        <p:nvSpPr>
+          <p:cNvPr id="3" name="Content Placeholder 2">
+            <a:extLst>
+              <a:ext uri="{FF2B5EF4-FFF2-40B4-BE49-F238E27FC236}">
+                <a16:creationId xmlns:a16="http://schemas.microsoft.com/office/drawing/2014/main" id="{F14B1524-4285-41CC-8447-40EB12E9D750}"/>
+              </a:ext>
+            </a:extLst>
+          </p:cNvPr>
+          <p:cNvSpPr>
+            <a:spLocks noGrp="1"/>
+          </p:cNvSpPr>
+          <p:nvPr>
+            <p:ph idx="1"/>
+          </p:nvPr>
+        </p:nvSpPr>
+        <p:spPr/>
+        <p:txBody>
+          <a:bodyPr/>
+          <a:lstStyle/>
+          <a:p>
+            <a:r>
+              <a:rPr lang="en-US" dirty="0"/>
+              <a:t>Template engine</a:t>
+            </a:r>
+          </a:p>
+          <a:p>
+            <a:r>
+              <a:rPr lang="en-US" dirty="0"/>
+              <a:t>Query string and post parameters</a:t>
+            </a:r>
+          </a:p>
+          <a:p>
+            <a:r>
+              <a:rPr lang="en-US" dirty="0"/>
+              <a:t>RESTful APIs and JSON</a:t>
+            </a:r>
+          </a:p>
+        </p:txBody>
+      </p:sp>
+    </p:spTree>
+    <p:extLst>
+      <p:ext uri="{BB962C8B-B14F-4D97-AF65-F5344CB8AC3E}">
+        <p14:creationId xmlns:p14="http://schemas.microsoft.com/office/powerpoint/2010/main" val="4239698323"/>
+      </p:ext>
+    </p:extLst>
+  </p:cSld>
+  <p:clrMapOvr>
+    <a:masterClrMapping/>
+  </p:clrMapOvr>
+</p:sld>
+</file>
+
+<file path=ppt/slides/slide52.xml><?xml version="1.0" encoding="utf-8"?>
+<p:sld xmlns:a="http://schemas.openxmlformats.org/drawingml/2006/main" xmlns:r="http://schemas.openxmlformats.org/officeDocument/2006/relationships" xmlns:p="http://schemas.openxmlformats.org/presentationml/2006/main">
+  <p:cSld>
+    <p:spTree>
+      <p:nvGrpSpPr>
+        <p:cNvPr id="1" name=""/>
+        <p:cNvGrpSpPr/>
+        <p:nvPr/>
+      </p:nvGrpSpPr>
+      <p:grpSpPr>
+        <a:xfrm>
+          <a:off x="0" y="0"/>
+          <a:ext cx="0" cy="0"/>
+          <a:chOff x="0" y="0"/>
+          <a:chExt cx="0" cy="0"/>
+        </a:xfrm>
+      </p:grpSpPr>
+      <p:sp>
+        <p:nvSpPr>
+          <p:cNvPr id="2" name="Title 1">
+            <a:extLst>
+              <a:ext uri="{FF2B5EF4-FFF2-40B4-BE49-F238E27FC236}">
                 <a16:creationId xmlns:a16="http://schemas.microsoft.com/office/drawing/2014/main" id="{F498CF9E-2F25-4595-B788-53877FA5EDD6}"/>
               </a:ext>
             </a:extLst>
@@ -12970,36 +12712,6 @@
           </a:p>
         </p:txBody>
       </p:sp>
-      <p:pic>
-        <p:nvPicPr>
-          <p:cNvPr id="5" name="Picture 4"/>
-          <p:cNvPicPr>
-            <a:picLocks noChangeAspect="1"/>
-          </p:cNvPicPr>
-          <p:nvPr/>
-        </p:nvPicPr>
-        <p:blipFill>
-          <a:blip r:embed="rId2">
-            <a:extLst>
-              <a:ext uri="{28A0092B-C50C-407E-A947-70E740481C1C}">
-                <a14:useLocalDpi xmlns:a14="http://schemas.microsoft.com/office/drawing/2010/main" val="0"/>
-              </a:ext>
-            </a:extLst>
-          </a:blip>
-          <a:stretch>
-            <a:fillRect/>
-          </a:stretch>
-        </p:blipFill>
-        <p:spPr>
-          <a:xfrm>
-            <a:off x="909446" y="5721919"/>
-            <a:ext cx="1398326" cy="867661"/>
-          </a:xfrm>
-          <a:prstGeom prst="rect">
-            <a:avLst/>
-          </a:prstGeom>
-        </p:spPr>
-      </p:pic>
     </p:spTree>
     <p:extLst>
       <p:ext uri="{BB962C8B-B14F-4D97-AF65-F5344CB8AC3E}">
@@ -13097,36 +12809,6 @@
           </a:p>
         </p:txBody>
       </p:sp>
-      <p:pic>
-        <p:nvPicPr>
-          <p:cNvPr id="5" name="Picture 4"/>
-          <p:cNvPicPr>
-            <a:picLocks noChangeAspect="1"/>
-          </p:cNvPicPr>
-          <p:nvPr/>
-        </p:nvPicPr>
-        <p:blipFill>
-          <a:blip r:embed="rId2">
-            <a:extLst>
-              <a:ext uri="{28A0092B-C50C-407E-A947-70E740481C1C}">
-                <a14:useLocalDpi xmlns:a14="http://schemas.microsoft.com/office/drawing/2010/main" val="0"/>
-              </a:ext>
-            </a:extLst>
-          </a:blip>
-          <a:stretch>
-            <a:fillRect/>
-          </a:stretch>
-        </p:blipFill>
-        <p:spPr>
-          <a:xfrm>
-            <a:off x="909446" y="5721919"/>
-            <a:ext cx="1398326" cy="867661"/>
-          </a:xfrm>
-          <a:prstGeom prst="rect">
-            <a:avLst/>
-          </a:prstGeom>
-        </p:spPr>
-      </p:pic>
     </p:spTree>
     <p:extLst>
       <p:ext uri="{BB962C8B-B14F-4D97-AF65-F5344CB8AC3E}">
@@ -13243,36 +12925,6 @@
           </a:p>
         </p:txBody>
       </p:sp>
-      <p:pic>
-        <p:nvPicPr>
-          <p:cNvPr id="5" name="Picture 4"/>
-          <p:cNvPicPr>
-            <a:picLocks noChangeAspect="1"/>
-          </p:cNvPicPr>
-          <p:nvPr/>
-        </p:nvPicPr>
-        <p:blipFill>
-          <a:blip r:embed="rId2">
-            <a:extLst>
-              <a:ext uri="{28A0092B-C50C-407E-A947-70E740481C1C}">
-                <a14:useLocalDpi xmlns:a14="http://schemas.microsoft.com/office/drawing/2010/main" val="0"/>
-              </a:ext>
-            </a:extLst>
-          </a:blip>
-          <a:stretch>
-            <a:fillRect/>
-          </a:stretch>
-        </p:blipFill>
-        <p:spPr>
-          <a:xfrm>
-            <a:off x="909446" y="5721919"/>
-            <a:ext cx="1398326" cy="867661"/>
-          </a:xfrm>
-          <a:prstGeom prst="rect">
-            <a:avLst/>
-          </a:prstGeom>
-        </p:spPr>
-      </p:pic>
     </p:spTree>
     <p:extLst>
       <p:ext uri="{BB962C8B-B14F-4D97-AF65-F5344CB8AC3E}">
@@ -13505,36 +13157,6 @@
           </a:p>
         </p:txBody>
       </p:sp>
-      <p:pic>
-        <p:nvPicPr>
-          <p:cNvPr id="11" name="Picture 10"/>
-          <p:cNvPicPr>
-            <a:picLocks noChangeAspect="1"/>
-          </p:cNvPicPr>
-          <p:nvPr/>
-        </p:nvPicPr>
-        <p:blipFill>
-          <a:blip r:embed="rId2">
-            <a:extLst>
-              <a:ext uri="{28A0092B-C50C-407E-A947-70E740481C1C}">
-                <a14:useLocalDpi xmlns:a14="http://schemas.microsoft.com/office/drawing/2010/main" val="0"/>
-              </a:ext>
-            </a:extLst>
-          </a:blip>
-          <a:stretch>
-            <a:fillRect/>
-          </a:stretch>
-        </p:blipFill>
-        <p:spPr>
-          <a:xfrm>
-            <a:off x="909446" y="5721919"/>
-            <a:ext cx="1398326" cy="867661"/>
-          </a:xfrm>
-          <a:prstGeom prst="rect">
-            <a:avLst/>
-          </a:prstGeom>
-        </p:spPr>
-      </p:pic>
     </p:spTree>
     <p:extLst>
       <p:ext uri="{BB962C8B-B14F-4D97-AF65-F5344CB8AC3E}">
